--- a/04_markov/ejercicios/clase03_ejercicio_3/ejercicio_3.pptx
+++ b/04_markov/ejercicios/clase03_ejercicio_3/ejercicio_3.pptx
@@ -6535,10 +6535,9 @@
               <a:buNone/>
             </a:pPr>
             <a:r>
-              <a:rPr lang="en" sz="2070" dirty="0"/>
-              <a:t>Investigación Operativa UTN FRBA 2020</a:t>
+              <a:rPr lang="es-AR" sz="2070" dirty="0"/>
+              <a:t>Investigación Operativa UTN FRBA 2022</a:t>
             </a:r>
-            <a:endParaRPr sz="2070" dirty="0"/>
           </a:p>
           <a:p>
             <a:pPr marL="0" lvl="0" indent="0" algn="l" rtl="0">
@@ -6556,10 +6555,9 @@
               <a:buNone/>
             </a:pPr>
             <a:r>
-              <a:rPr lang="en" sz="2070" dirty="0"/>
-              <a:t>Curso: I4051</a:t>
+              <a:rPr lang="es-AR" sz="2070" dirty="0"/>
+              <a:t>Curso: I4051 (Palazzo)</a:t>
             </a:r>
-            <a:endParaRPr sz="2070" dirty="0"/>
           </a:p>
           <a:p>
             <a:pPr marL="0" lvl="0" indent="0" algn="l" rtl="0">
@@ -6577,31 +6575,10 @@
               <a:buNone/>
             </a:pPr>
             <a:r>
-              <a:rPr lang="en" sz="2070" dirty="0"/>
-              <a:t>Elaborado por: Rodrigo Maranzana</a:t>
+              <a:rPr lang="es-AR" sz="2070"/>
+              <a:t>Docente: Rodrigo Maranzana</a:t>
             </a:r>
-            <a:endParaRPr sz="2070" dirty="0"/>
-          </a:p>
-          <a:p>
-            <a:pPr marL="0" lvl="0" indent="0" algn="l" rtl="0">
-              <a:spcBef>
-                <a:spcPts val="0"/>
-              </a:spcBef>
-              <a:spcAft>
-                <a:spcPts val="0"/>
-              </a:spcAft>
-              <a:buClr>
-                <a:schemeClr val="dk2"/>
-              </a:buClr>
-              <a:buSzPts val="2070"/>
-              <a:buFont typeface="Arial"/>
-              <a:buNone/>
-            </a:pPr>
-            <a:r>
-              <a:rPr lang="en" sz="2070" dirty="0"/>
-              <a:t>Docente: Martín Palazzo</a:t>
-            </a:r>
-            <a:endParaRPr dirty="0">
+            <a:endParaRPr lang="es-AR" sz="2400">
               <a:latin typeface="Helvetica Neue"/>
               <a:ea typeface="Helvetica Neue"/>
               <a:cs typeface="Helvetica Neue"/>
@@ -6622,7 +6599,7 @@
               <a:buFont typeface="Arial"/>
               <a:buNone/>
             </a:pPr>
-            <a:endParaRPr dirty="0">
+            <a:endParaRPr u="sng" dirty="0">
               <a:latin typeface="Helvetica Neue"/>
               <a:ea typeface="Helvetica Neue"/>
               <a:cs typeface="Helvetica Neue"/>
@@ -6735,8 +6712,8 @@
           </a:p>
         </p:txBody>
       </p:sp>
-      <mc:AlternateContent xmlns:mc="http://schemas.openxmlformats.org/markup-compatibility/2006">
-        <mc:Choice xmlns:a14="http://schemas.microsoft.com/office/drawing/2010/main" Requires="a14">
+      <mc:AlternateContent xmlns:mc="http://schemas.openxmlformats.org/markup-compatibility/2006" xmlns:a14="http://schemas.microsoft.com/office/drawing/2010/main">
+        <mc:Choice Requires="a14">
           <p:sp>
             <p:nvSpPr>
               <p:cNvPr id="4" name="Rectángulo 3">
@@ -7406,7 +7383,7 @@
             </p:txBody>
           </p:sp>
         </mc:Choice>
-        <mc:Fallback>
+        <mc:Fallback xmlns="">
           <p:sp>
             <p:nvSpPr>
               <p:cNvPr id="4" name="Rectángulo 3">
@@ -7494,8 +7471,8 @@
           </a:p>
         </p:txBody>
       </p:sp>
-      <mc:AlternateContent xmlns:mc="http://schemas.openxmlformats.org/markup-compatibility/2006">
-        <mc:Choice xmlns:a14="http://schemas.microsoft.com/office/drawing/2010/main" Requires="a14">
+      <mc:AlternateContent xmlns:mc="http://schemas.openxmlformats.org/markup-compatibility/2006" xmlns:a14="http://schemas.microsoft.com/office/drawing/2010/main">
+        <mc:Choice Requires="a14">
           <p:sp>
             <p:nvSpPr>
               <p:cNvPr id="6" name="Rectángulo 5">
@@ -8010,7 +7987,7 @@
             </p:txBody>
           </p:sp>
         </mc:Choice>
-        <mc:Fallback>
+        <mc:Fallback xmlns="">
           <p:sp>
             <p:nvSpPr>
               <p:cNvPr id="6" name="Rectángulo 5">
@@ -8157,8 +8134,8 @@
           </a:p>
         </p:txBody>
       </p:sp>
-      <mc:AlternateContent xmlns:mc="http://schemas.openxmlformats.org/markup-compatibility/2006">
-        <mc:Choice xmlns:a14="http://schemas.microsoft.com/office/drawing/2010/main" Requires="a14">
+      <mc:AlternateContent xmlns:mc="http://schemas.openxmlformats.org/markup-compatibility/2006" xmlns:a14="http://schemas.microsoft.com/office/drawing/2010/main">
+        <mc:Choice Requires="a14">
           <p:sp>
             <p:nvSpPr>
               <p:cNvPr id="4" name="Rectángulo 3">
@@ -8820,7 +8797,7 @@
             </p:txBody>
           </p:sp>
         </mc:Choice>
-        <mc:Fallback>
+        <mc:Fallback xmlns="">
           <p:sp>
             <p:nvSpPr>
               <p:cNvPr id="4" name="Rectángulo 3">
@@ -8928,8 +8905,8 @@
           </a:p>
         </p:txBody>
       </p:sp>
-      <mc:AlternateContent xmlns:mc="http://schemas.openxmlformats.org/markup-compatibility/2006">
-        <mc:Choice xmlns:a14="http://schemas.microsoft.com/office/drawing/2010/main" Requires="a14">
+      <mc:AlternateContent xmlns:mc="http://schemas.openxmlformats.org/markup-compatibility/2006" xmlns:a14="http://schemas.microsoft.com/office/drawing/2010/main">
+        <mc:Choice Requires="a14">
           <p:sp>
             <p:nvSpPr>
               <p:cNvPr id="6" name="Rectángulo 5">
@@ -9235,7 +9212,7 @@
             </p:txBody>
           </p:sp>
         </mc:Choice>
-        <mc:Fallback>
+        <mc:Fallback xmlns="">
           <p:sp>
             <p:nvSpPr>
               <p:cNvPr id="6" name="Rectángulo 5">
@@ -10510,8 +10487,8 @@
             </a:prstGeom>
           </p:spPr>
         </p:pic>
-        <mc:AlternateContent xmlns:mc="http://schemas.openxmlformats.org/markup-compatibility/2006">
-          <mc:Choice xmlns:a14="http://schemas.microsoft.com/office/drawing/2010/main" Requires="a14">
+        <mc:AlternateContent xmlns:mc="http://schemas.openxmlformats.org/markup-compatibility/2006" xmlns:a14="http://schemas.microsoft.com/office/drawing/2010/main">
+          <mc:Choice Requires="a14">
             <p:sp>
               <p:nvSpPr>
                 <p:cNvPr id="12" name="CuadroTexto 11">
@@ -10629,7 +10606,7 @@
               </p:txBody>
             </p:sp>
           </mc:Choice>
-          <mc:Fallback>
+          <mc:Fallback xmlns="">
             <p:sp>
               <p:nvSpPr>
                 <p:cNvPr id="12" name="CuadroTexto 11">
@@ -10674,8 +10651,8 @@
             </p:sp>
           </mc:Fallback>
         </mc:AlternateContent>
-        <mc:AlternateContent xmlns:mc="http://schemas.openxmlformats.org/markup-compatibility/2006">
-          <mc:Choice xmlns:a14="http://schemas.microsoft.com/office/drawing/2010/main" Requires="a14">
+        <mc:AlternateContent xmlns:mc="http://schemas.openxmlformats.org/markup-compatibility/2006" xmlns:a14="http://schemas.microsoft.com/office/drawing/2010/main">
+          <mc:Choice Requires="a14">
             <p:sp>
               <p:nvSpPr>
                 <p:cNvPr id="13" name="CuadroTexto 12">
@@ -10793,7 +10770,7 @@
               </p:txBody>
             </p:sp>
           </mc:Choice>
-          <mc:Fallback>
+          <mc:Fallback xmlns="">
             <p:sp>
               <p:nvSpPr>
                 <p:cNvPr id="13" name="CuadroTexto 12">
@@ -10838,8 +10815,8 @@
             </p:sp>
           </mc:Fallback>
         </mc:AlternateContent>
-        <mc:AlternateContent xmlns:mc="http://schemas.openxmlformats.org/markup-compatibility/2006">
-          <mc:Choice xmlns:a14="http://schemas.microsoft.com/office/drawing/2010/main" Requires="a14">
+        <mc:AlternateContent xmlns:mc="http://schemas.openxmlformats.org/markup-compatibility/2006" xmlns:a14="http://schemas.microsoft.com/office/drawing/2010/main">
+          <mc:Choice Requires="a14">
             <p:sp>
               <p:nvSpPr>
                 <p:cNvPr id="14" name="CuadroTexto 13">
@@ -10957,7 +10934,7 @@
               </p:txBody>
             </p:sp>
           </mc:Choice>
-          <mc:Fallback>
+          <mc:Fallback xmlns="">
             <p:sp>
               <p:nvSpPr>
                 <p:cNvPr id="14" name="CuadroTexto 13">
@@ -11002,8 +10979,8 @@
             </p:sp>
           </mc:Fallback>
         </mc:AlternateContent>
-        <mc:AlternateContent xmlns:mc="http://schemas.openxmlformats.org/markup-compatibility/2006">
-          <mc:Choice xmlns:a14="http://schemas.microsoft.com/office/drawing/2010/main" Requires="a14">
+        <mc:AlternateContent xmlns:mc="http://schemas.openxmlformats.org/markup-compatibility/2006" xmlns:a14="http://schemas.microsoft.com/office/drawing/2010/main">
+          <mc:Choice Requires="a14">
             <p:sp>
               <p:nvSpPr>
                 <p:cNvPr id="15" name="CuadroTexto 14">
@@ -11121,7 +11098,7 @@
               </p:txBody>
             </p:sp>
           </mc:Choice>
-          <mc:Fallback>
+          <mc:Fallback xmlns="">
             <p:sp>
               <p:nvSpPr>
                 <p:cNvPr id="15" name="CuadroTexto 14">
@@ -11166,8 +11143,8 @@
             </p:sp>
           </mc:Fallback>
         </mc:AlternateContent>
-        <mc:AlternateContent xmlns:mc="http://schemas.openxmlformats.org/markup-compatibility/2006">
-          <mc:Choice xmlns:a14="http://schemas.microsoft.com/office/drawing/2010/main" Requires="a14">
+        <mc:AlternateContent xmlns:mc="http://schemas.openxmlformats.org/markup-compatibility/2006" xmlns:a14="http://schemas.microsoft.com/office/drawing/2010/main">
+          <mc:Choice Requires="a14">
             <p:sp>
               <p:nvSpPr>
                 <p:cNvPr id="16" name="CuadroTexto 15">
@@ -11285,7 +11262,7 @@
               </p:txBody>
             </p:sp>
           </mc:Choice>
-          <mc:Fallback>
+          <mc:Fallback xmlns="">
             <p:sp>
               <p:nvSpPr>
                 <p:cNvPr id="16" name="CuadroTexto 15">
@@ -11330,8 +11307,8 @@
             </p:sp>
           </mc:Fallback>
         </mc:AlternateContent>
-        <mc:AlternateContent xmlns:mc="http://schemas.openxmlformats.org/markup-compatibility/2006">
-          <mc:Choice xmlns:a14="http://schemas.microsoft.com/office/drawing/2010/main" Requires="a14">
+        <mc:AlternateContent xmlns:mc="http://schemas.openxmlformats.org/markup-compatibility/2006" xmlns:a14="http://schemas.microsoft.com/office/drawing/2010/main">
+          <mc:Choice Requires="a14">
             <p:sp>
               <p:nvSpPr>
                 <p:cNvPr id="17" name="CuadroTexto 16">
@@ -11449,7 +11426,7 @@
               </p:txBody>
             </p:sp>
           </mc:Choice>
-          <mc:Fallback>
+          <mc:Fallback xmlns="">
             <p:sp>
               <p:nvSpPr>
                 <p:cNvPr id="17" name="CuadroTexto 16">
@@ -11494,8 +11471,8 @@
             </p:sp>
           </mc:Fallback>
         </mc:AlternateContent>
-        <mc:AlternateContent xmlns:mc="http://schemas.openxmlformats.org/markup-compatibility/2006">
-          <mc:Choice xmlns:a14="http://schemas.microsoft.com/office/drawing/2010/main" Requires="a14">
+        <mc:AlternateContent xmlns:mc="http://schemas.openxmlformats.org/markup-compatibility/2006" xmlns:a14="http://schemas.microsoft.com/office/drawing/2010/main">
+          <mc:Choice Requires="a14">
             <p:sp>
               <p:nvSpPr>
                 <p:cNvPr id="18" name="CuadroTexto 17">
@@ -11613,7 +11590,7 @@
               </p:txBody>
             </p:sp>
           </mc:Choice>
-          <mc:Fallback>
+          <mc:Fallback xmlns="">
             <p:sp>
               <p:nvSpPr>
                 <p:cNvPr id="18" name="CuadroTexto 17">
@@ -11658,8 +11635,8 @@
             </p:sp>
           </mc:Fallback>
         </mc:AlternateContent>
-        <mc:AlternateContent xmlns:mc="http://schemas.openxmlformats.org/markup-compatibility/2006">
-          <mc:Choice xmlns:a14="http://schemas.microsoft.com/office/drawing/2010/main" Requires="a14">
+        <mc:AlternateContent xmlns:mc="http://schemas.openxmlformats.org/markup-compatibility/2006" xmlns:a14="http://schemas.microsoft.com/office/drawing/2010/main">
+          <mc:Choice Requires="a14">
             <p:sp>
               <p:nvSpPr>
                 <p:cNvPr id="19" name="CuadroTexto 18">
@@ -11777,7 +11754,7 @@
               </p:txBody>
             </p:sp>
           </mc:Choice>
-          <mc:Fallback>
+          <mc:Fallback xmlns="">
             <p:sp>
               <p:nvSpPr>
                 <p:cNvPr id="19" name="CuadroTexto 18">
@@ -11822,8 +11799,8 @@
             </p:sp>
           </mc:Fallback>
         </mc:AlternateContent>
-        <mc:AlternateContent xmlns:mc="http://schemas.openxmlformats.org/markup-compatibility/2006">
-          <mc:Choice xmlns:a14="http://schemas.microsoft.com/office/drawing/2010/main" Requires="a14">
+        <mc:AlternateContent xmlns:mc="http://schemas.openxmlformats.org/markup-compatibility/2006" xmlns:a14="http://schemas.microsoft.com/office/drawing/2010/main">
+          <mc:Choice Requires="a14">
             <p:sp>
               <p:nvSpPr>
                 <p:cNvPr id="20" name="CuadroTexto 19">
@@ -11941,7 +11918,7 @@
               </p:txBody>
             </p:sp>
           </mc:Choice>
-          <mc:Fallback>
+          <mc:Fallback xmlns="">
             <p:sp>
               <p:nvSpPr>
                 <p:cNvPr id="20" name="CuadroTexto 19">
@@ -12061,8 +12038,8 @@
           </a:p>
         </p:txBody>
       </p:sp>
-      <mc:AlternateContent xmlns:mc="http://schemas.openxmlformats.org/markup-compatibility/2006">
-        <mc:Choice xmlns:a14="http://schemas.microsoft.com/office/drawing/2010/main" Requires="a14">
+      <mc:AlternateContent xmlns:mc="http://schemas.openxmlformats.org/markup-compatibility/2006" xmlns:a14="http://schemas.microsoft.com/office/drawing/2010/main">
+        <mc:Choice Requires="a14">
           <p:sp>
             <p:nvSpPr>
               <p:cNvPr id="21" name="CuadroTexto 20">
@@ -12591,7 +12568,7 @@
             </p:txBody>
           </p:sp>
         </mc:Choice>
-        <mc:Fallback>
+        <mc:Fallback xmlns="">
           <p:sp>
             <p:nvSpPr>
               <p:cNvPr id="21" name="CuadroTexto 20">
@@ -12718,8 +12695,8 @@
             <a:chExt cx="7891136" cy="4484240"/>
           </a:xfrm>
         </p:grpSpPr>
-        <mc:AlternateContent xmlns:mc="http://schemas.openxmlformats.org/markup-compatibility/2006">
-          <mc:Choice xmlns:a14="http://schemas.microsoft.com/office/drawing/2010/main" Requires="a14">
+        <mc:AlternateContent xmlns:mc="http://schemas.openxmlformats.org/markup-compatibility/2006" xmlns:a14="http://schemas.microsoft.com/office/drawing/2010/main">
+          <mc:Choice Requires="a14">
             <p:sp>
               <p:nvSpPr>
                 <p:cNvPr id="4" name="Marcador de contenido 2">
@@ -13255,7 +13232,7 @@
               </p:txBody>
             </p:sp>
           </mc:Choice>
-          <mc:Fallback>
+          <mc:Fallback xmlns="">
             <p:sp>
               <p:nvSpPr>
                 <p:cNvPr id="4" name="Marcador de contenido 2">
@@ -13303,8 +13280,8 @@
             </p:sp>
           </mc:Fallback>
         </mc:AlternateContent>
-        <mc:AlternateContent xmlns:mc="http://schemas.openxmlformats.org/markup-compatibility/2006">
-          <mc:Choice xmlns:a14="http://schemas.microsoft.com/office/drawing/2010/main" Requires="a14">
+        <mc:AlternateContent xmlns:mc="http://schemas.openxmlformats.org/markup-compatibility/2006" xmlns:a14="http://schemas.microsoft.com/office/drawing/2010/main">
+          <mc:Choice Requires="a14">
             <p:sp>
               <p:nvSpPr>
                 <p:cNvPr id="5" name="Marcador de contenido 2">
@@ -13609,13 +13586,7 @@
                               <a:rPr lang="es-AR" sz="2625" i="1">
                                 <a:latin typeface="Cambria Math" panose="02040503050406030204" pitchFamily="18" charset="0"/>
                               </a:rPr>
-                              <m:t>𝑎</m:t>
-                            </m:r>
-                            <m:r>
-                              <a:rPr lang="es-AR" sz="2625" i="1">
-                                <a:latin typeface="Cambria Math" panose="02040503050406030204" pitchFamily="18" charset="0"/>
-                              </a:rPr>
-                              <m:t>𝑏</m:t>
+                              <m:t>𝑎𝑏</m:t>
                             </m:r>
                           </m:sub>
                         </m:sSub>
@@ -13680,13 +13651,7 @@
                               <a:rPr lang="es-AR" sz="2625" i="1">
                                 <a:latin typeface="Cambria Math" panose="02040503050406030204" pitchFamily="18" charset="0"/>
                               </a:rPr>
-                              <m:t>𝑏</m:t>
-                            </m:r>
-                            <m:r>
-                              <a:rPr lang="es-AR" sz="2625" i="1">
-                                <a:latin typeface="Cambria Math" panose="02040503050406030204" pitchFamily="18" charset="0"/>
-                              </a:rPr>
-                              <m:t>𝑏</m:t>
+                              <m:t>𝑏𝑏</m:t>
                             </m:r>
                           </m:sub>
                         </m:sSub>
@@ -13751,13 +13716,7 @@
                               <a:rPr lang="es-AR" sz="2625" i="1">
                                 <a:latin typeface="Cambria Math" panose="02040503050406030204" pitchFamily="18" charset="0"/>
                               </a:rPr>
-                              <m:t>𝑐</m:t>
-                            </m:r>
-                            <m:r>
-                              <a:rPr lang="es-AR" sz="2625" i="1">
-                                <a:latin typeface="Cambria Math" panose="02040503050406030204" pitchFamily="18" charset="0"/>
-                              </a:rPr>
-                              <m:t>𝑏</m:t>
+                              <m:t>𝑐𝑏</m:t>
                             </m:r>
                           </m:sub>
                         </m:sSub>
@@ -13775,7 +13734,7 @@
               </p:txBody>
             </p:sp>
           </mc:Choice>
-          <mc:Fallback>
+          <mc:Fallback xmlns="">
             <p:sp>
               <p:nvSpPr>
                 <p:cNvPr id="5" name="Marcador de contenido 2">
@@ -13890,8 +13849,8 @@
                 <a:chExt cx="5461247" cy="4960693"/>
               </a:xfrm>
             </p:grpSpPr>
-            <mc:AlternateContent xmlns:mc="http://schemas.openxmlformats.org/markup-compatibility/2006">
-              <mc:Choice xmlns:a14="http://schemas.microsoft.com/office/drawing/2010/main" Requires="a14">
+            <mc:AlternateContent xmlns:mc="http://schemas.openxmlformats.org/markup-compatibility/2006" xmlns:a14="http://schemas.microsoft.com/office/drawing/2010/main">
+              <mc:Choice Requires="a14">
                 <p:sp>
                   <p:nvSpPr>
                     <p:cNvPr id="9" name="CuadroTexto 8">
@@ -13973,7 +13932,7 @@
                   </p:txBody>
                 </p:sp>
               </mc:Choice>
-              <mc:Fallback>
+              <mc:Fallback xmlns="">
                 <p:sp>
                   <p:nvSpPr>
                     <p:cNvPr id="9" name="CuadroTexto 8">
@@ -14018,8 +13977,8 @@
                 </p:sp>
               </mc:Fallback>
             </mc:AlternateContent>
-            <mc:AlternateContent xmlns:mc="http://schemas.openxmlformats.org/markup-compatibility/2006">
-              <mc:Choice xmlns:a14="http://schemas.microsoft.com/office/drawing/2010/main" Requires="a14">
+            <mc:AlternateContent xmlns:mc="http://schemas.openxmlformats.org/markup-compatibility/2006" xmlns:a14="http://schemas.microsoft.com/office/drawing/2010/main">
+              <mc:Choice Requires="a14">
                 <p:sp>
                   <p:nvSpPr>
                     <p:cNvPr id="10" name="CuadroTexto 9">
@@ -14101,7 +14060,7 @@
                   </p:txBody>
                 </p:sp>
               </mc:Choice>
-              <mc:Fallback>
+              <mc:Fallback xmlns="">
                 <p:sp>
                   <p:nvSpPr>
                     <p:cNvPr id="10" name="CuadroTexto 9">
@@ -14146,8 +14105,8 @@
                 </p:sp>
               </mc:Fallback>
             </mc:AlternateContent>
-            <mc:AlternateContent xmlns:mc="http://schemas.openxmlformats.org/markup-compatibility/2006">
-              <mc:Choice xmlns:a14="http://schemas.microsoft.com/office/drawing/2010/main" Requires="a14">
+            <mc:AlternateContent xmlns:mc="http://schemas.openxmlformats.org/markup-compatibility/2006" xmlns:a14="http://schemas.microsoft.com/office/drawing/2010/main">
+              <mc:Choice Requires="a14">
                 <p:sp>
                   <p:nvSpPr>
                     <p:cNvPr id="11" name="CuadroTexto 10">
@@ -14229,7 +14188,7 @@
                   </p:txBody>
                 </p:sp>
               </mc:Choice>
-              <mc:Fallback>
+              <mc:Fallback xmlns="">
                 <p:sp>
                   <p:nvSpPr>
                     <p:cNvPr id="11" name="CuadroTexto 10">
@@ -14274,8 +14233,8 @@
                 </p:sp>
               </mc:Fallback>
             </mc:AlternateContent>
-            <mc:AlternateContent xmlns:mc="http://schemas.openxmlformats.org/markup-compatibility/2006">
-              <mc:Choice xmlns:a14="http://schemas.microsoft.com/office/drawing/2010/main" Requires="a14">
+            <mc:AlternateContent xmlns:mc="http://schemas.openxmlformats.org/markup-compatibility/2006" xmlns:a14="http://schemas.microsoft.com/office/drawing/2010/main">
+              <mc:Choice Requires="a14">
                 <p:sp>
                   <p:nvSpPr>
                     <p:cNvPr id="12" name="CuadroTexto 11">
@@ -14357,7 +14316,7 @@
                   </p:txBody>
                 </p:sp>
               </mc:Choice>
-              <mc:Fallback>
+              <mc:Fallback xmlns="">
                 <p:sp>
                   <p:nvSpPr>
                     <p:cNvPr id="12" name="CuadroTexto 11">
@@ -14402,8 +14361,8 @@
                 </p:sp>
               </mc:Fallback>
             </mc:AlternateContent>
-            <mc:AlternateContent xmlns:mc="http://schemas.openxmlformats.org/markup-compatibility/2006">
-              <mc:Choice xmlns:a14="http://schemas.microsoft.com/office/drawing/2010/main" Requires="a14">
+            <mc:AlternateContent xmlns:mc="http://schemas.openxmlformats.org/markup-compatibility/2006" xmlns:a14="http://schemas.microsoft.com/office/drawing/2010/main">
+              <mc:Choice Requires="a14">
                 <p:sp>
                   <p:nvSpPr>
                     <p:cNvPr id="13" name="CuadroTexto 12">
@@ -14485,7 +14444,7 @@
                   </p:txBody>
                 </p:sp>
               </mc:Choice>
-              <mc:Fallback>
+              <mc:Fallback xmlns="">
                 <p:sp>
                   <p:nvSpPr>
                     <p:cNvPr id="13" name="CuadroTexto 12">
@@ -14530,8 +14489,8 @@
                 </p:sp>
               </mc:Fallback>
             </mc:AlternateContent>
-            <mc:AlternateContent xmlns:mc="http://schemas.openxmlformats.org/markup-compatibility/2006">
-              <mc:Choice xmlns:a14="http://schemas.microsoft.com/office/drawing/2010/main" Requires="a14">
+            <mc:AlternateContent xmlns:mc="http://schemas.openxmlformats.org/markup-compatibility/2006" xmlns:a14="http://schemas.microsoft.com/office/drawing/2010/main">
+              <mc:Choice Requires="a14">
                 <p:sp>
                   <p:nvSpPr>
                     <p:cNvPr id="14" name="CuadroTexto 13">
@@ -14613,7 +14572,7 @@
                   </p:txBody>
                 </p:sp>
               </mc:Choice>
-              <mc:Fallback>
+              <mc:Fallback xmlns="">
                 <p:sp>
                   <p:nvSpPr>
                     <p:cNvPr id="14" name="CuadroTexto 13">
@@ -14658,8 +14617,8 @@
                 </p:sp>
               </mc:Fallback>
             </mc:AlternateContent>
-            <mc:AlternateContent xmlns:mc="http://schemas.openxmlformats.org/markup-compatibility/2006">
-              <mc:Choice xmlns:a14="http://schemas.microsoft.com/office/drawing/2010/main" Requires="a14">
+            <mc:AlternateContent xmlns:mc="http://schemas.openxmlformats.org/markup-compatibility/2006" xmlns:a14="http://schemas.microsoft.com/office/drawing/2010/main">
+              <mc:Choice Requires="a14">
                 <p:sp>
                   <p:nvSpPr>
                     <p:cNvPr id="15" name="CuadroTexto 14">
@@ -14741,7 +14700,7 @@
                   </p:txBody>
                 </p:sp>
               </mc:Choice>
-              <mc:Fallback>
+              <mc:Fallback xmlns="">
                 <p:sp>
                   <p:nvSpPr>
                     <p:cNvPr id="15" name="CuadroTexto 14">
@@ -14786,8 +14745,8 @@
                 </p:sp>
               </mc:Fallback>
             </mc:AlternateContent>
-            <mc:AlternateContent xmlns:mc="http://schemas.openxmlformats.org/markup-compatibility/2006">
-              <mc:Choice xmlns:a14="http://schemas.microsoft.com/office/drawing/2010/main" Requires="a14">
+            <mc:AlternateContent xmlns:mc="http://schemas.openxmlformats.org/markup-compatibility/2006" xmlns:a14="http://schemas.microsoft.com/office/drawing/2010/main">
+              <mc:Choice Requires="a14">
                 <p:sp>
                   <p:nvSpPr>
                     <p:cNvPr id="16" name="CuadroTexto 15">
@@ -14869,7 +14828,7 @@
                   </p:txBody>
                 </p:sp>
               </mc:Choice>
-              <mc:Fallback>
+              <mc:Fallback xmlns="">
                 <p:sp>
                   <p:nvSpPr>
                     <p:cNvPr id="16" name="CuadroTexto 15">
@@ -14914,8 +14873,8 @@
                 </p:sp>
               </mc:Fallback>
             </mc:AlternateContent>
-            <mc:AlternateContent xmlns:mc="http://schemas.openxmlformats.org/markup-compatibility/2006">
-              <mc:Choice xmlns:a14="http://schemas.microsoft.com/office/drawing/2010/main" Requires="a14">
+            <mc:AlternateContent xmlns:mc="http://schemas.openxmlformats.org/markup-compatibility/2006" xmlns:a14="http://schemas.microsoft.com/office/drawing/2010/main">
+              <mc:Choice Requires="a14">
                 <p:sp>
                   <p:nvSpPr>
                     <p:cNvPr id="17" name="CuadroTexto 16">
@@ -14997,7 +14956,7 @@
                   </p:txBody>
                 </p:sp>
               </mc:Choice>
-              <mc:Fallback>
+              <mc:Fallback xmlns="">
                 <p:sp>
                   <p:nvSpPr>
                     <p:cNvPr id="17" name="CuadroTexto 16">
@@ -15107,8 +15066,8 @@
           </a:p>
         </p:txBody>
       </p:sp>
-      <mc:AlternateContent xmlns:mc="http://schemas.openxmlformats.org/markup-compatibility/2006">
-        <mc:Choice xmlns:a14="http://schemas.microsoft.com/office/drawing/2010/main" Requires="a14">
+      <mc:AlternateContent xmlns:mc="http://schemas.openxmlformats.org/markup-compatibility/2006" xmlns:a14="http://schemas.microsoft.com/office/drawing/2010/main">
+        <mc:Choice Requires="a14">
           <p:sp>
             <p:nvSpPr>
               <p:cNvPr id="4" name="Marcador de contenido 2">
@@ -15644,7 +15603,7 @@
             </p:txBody>
           </p:sp>
         </mc:Choice>
-        <mc:Fallback>
+        <mc:Fallback xmlns="">
           <p:sp>
             <p:nvSpPr>
               <p:cNvPr id="4" name="Marcador de contenido 2">
@@ -15692,8 +15651,8 @@
           </p:sp>
         </mc:Fallback>
       </mc:AlternateContent>
-      <mc:AlternateContent xmlns:mc="http://schemas.openxmlformats.org/markup-compatibility/2006">
-        <mc:Choice xmlns:a14="http://schemas.microsoft.com/office/drawing/2010/main" Requires="a14">
+      <mc:AlternateContent xmlns:mc="http://schemas.openxmlformats.org/markup-compatibility/2006" xmlns:a14="http://schemas.microsoft.com/office/drawing/2010/main">
+        <mc:Choice Requires="a14">
           <p:sp>
             <p:nvSpPr>
               <p:cNvPr id="5" name="CuadroTexto 4">
@@ -16692,7 +16651,7 @@
             </p:txBody>
           </p:sp>
         </mc:Choice>
-        <mc:Fallback>
+        <mc:Fallback xmlns="">
           <p:sp>
             <p:nvSpPr>
               <p:cNvPr id="5" name="CuadroTexto 4">
@@ -16902,8 +16861,8 @@
             </a:fontRef>
           </p:style>
         </p:cxnSp>
-        <mc:AlternateContent xmlns:mc="http://schemas.openxmlformats.org/markup-compatibility/2006">
-          <mc:Choice xmlns:a14="http://schemas.microsoft.com/office/drawing/2010/main" Requires="a14">
+        <mc:AlternateContent xmlns:mc="http://schemas.openxmlformats.org/markup-compatibility/2006" xmlns:a14="http://schemas.microsoft.com/office/drawing/2010/main">
+          <mc:Choice Requires="a14">
             <p:sp>
               <p:nvSpPr>
                 <p:cNvPr id="10" name="Rectángulo 9">
@@ -17183,7 +17142,7 @@
               </p:txBody>
             </p:sp>
           </mc:Choice>
-          <mc:Fallback>
+          <mc:Fallback xmlns="">
             <p:sp>
               <p:nvSpPr>
                 <p:cNvPr id="10" name="Rectángulo 9">
@@ -17390,8 +17349,8 @@
           </a:p>
         </p:txBody>
       </p:sp>
-      <mc:AlternateContent xmlns:mc="http://schemas.openxmlformats.org/markup-compatibility/2006">
-        <mc:Choice xmlns:a14="http://schemas.microsoft.com/office/drawing/2010/main" Requires="a14">
+      <mc:AlternateContent xmlns:mc="http://schemas.openxmlformats.org/markup-compatibility/2006" xmlns:a14="http://schemas.microsoft.com/office/drawing/2010/main">
+        <mc:Choice Requires="a14">
           <p:sp>
             <p:nvSpPr>
               <p:cNvPr id="4" name="Rectángulo 3">
@@ -17582,7 +17541,7 @@
             </p:txBody>
           </p:sp>
         </mc:Choice>
-        <mc:Fallback>
+        <mc:Fallback xmlns="">
           <p:sp>
             <p:nvSpPr>
               <p:cNvPr id="4" name="Rectángulo 3">
@@ -17677,8 +17636,8 @@
           </a:p>
         </p:txBody>
       </p:sp>
-      <mc:AlternateContent xmlns:mc="http://schemas.openxmlformats.org/markup-compatibility/2006">
-        <mc:Choice xmlns:a14="http://schemas.microsoft.com/office/drawing/2010/main" Requires="a14">
+      <mc:AlternateContent xmlns:mc="http://schemas.openxmlformats.org/markup-compatibility/2006" xmlns:a14="http://schemas.microsoft.com/office/drawing/2010/main">
+        <mc:Choice Requires="a14">
           <p:sp>
             <p:nvSpPr>
               <p:cNvPr id="6" name="Rectángulo 5">
@@ -17754,7 +17713,7 @@
             </p:txBody>
           </p:sp>
         </mc:Choice>
-        <mc:Fallback>
+        <mc:Fallback xmlns="">
           <p:sp>
             <p:nvSpPr>
               <p:cNvPr id="6" name="Rectángulo 5">
@@ -17799,8 +17758,8 @@
           </p:sp>
         </mc:Fallback>
       </mc:AlternateContent>
-      <mc:AlternateContent xmlns:mc="http://schemas.openxmlformats.org/markup-compatibility/2006">
-        <mc:Choice xmlns:a14="http://schemas.microsoft.com/office/drawing/2010/main" Requires="a14">
+      <mc:AlternateContent xmlns:mc="http://schemas.openxmlformats.org/markup-compatibility/2006" xmlns:a14="http://schemas.microsoft.com/office/drawing/2010/main">
+        <mc:Choice Requires="a14">
           <p:sp>
             <p:nvSpPr>
               <p:cNvPr id="7" name="Rectángulo 6">
@@ -18381,7 +18340,7 @@
             </p:txBody>
           </p:sp>
         </mc:Choice>
-        <mc:Fallback>
+        <mc:Fallback xmlns="">
           <p:sp>
             <p:nvSpPr>
               <p:cNvPr id="7" name="Rectángulo 6">
@@ -18660,8 +18619,8 @@
           </a:p>
         </p:txBody>
       </p:sp>
-      <mc:AlternateContent xmlns:mc="http://schemas.openxmlformats.org/markup-compatibility/2006">
-        <mc:Choice xmlns:a14="http://schemas.microsoft.com/office/drawing/2010/main" Requires="a14">
+      <mc:AlternateContent xmlns:mc="http://schemas.openxmlformats.org/markup-compatibility/2006" xmlns:a14="http://schemas.microsoft.com/office/drawing/2010/main">
+        <mc:Choice Requires="a14">
           <p:sp>
             <p:nvSpPr>
               <p:cNvPr id="4" name="Rectángulo 3">
@@ -18753,7 +18712,7 @@
             </p:txBody>
           </p:sp>
         </mc:Choice>
-        <mc:Fallback>
+        <mc:Fallback xmlns="">
           <p:sp>
             <p:nvSpPr>
               <p:cNvPr id="4" name="Rectángulo 3">
@@ -18798,8 +18757,8 @@
           </p:sp>
         </mc:Fallback>
       </mc:AlternateContent>
-      <mc:AlternateContent xmlns:mc="http://schemas.openxmlformats.org/markup-compatibility/2006">
-        <mc:Choice xmlns:a14="http://schemas.microsoft.com/office/drawing/2010/main" Requires="a14">
+      <mc:AlternateContent xmlns:mc="http://schemas.openxmlformats.org/markup-compatibility/2006" xmlns:a14="http://schemas.microsoft.com/office/drawing/2010/main">
+        <mc:Choice Requires="a14">
           <p:sp>
             <p:nvSpPr>
               <p:cNvPr id="5" name="Rectángulo 4">
@@ -19299,7 +19258,7 @@
             </p:txBody>
           </p:sp>
         </mc:Choice>
-        <mc:Fallback>
+        <mc:Fallback xmlns="">
           <p:sp>
             <p:nvSpPr>
               <p:cNvPr id="5" name="Rectángulo 4">
@@ -19344,8 +19303,8 @@
           </p:sp>
         </mc:Fallback>
       </mc:AlternateContent>
-      <mc:AlternateContent xmlns:mc="http://schemas.openxmlformats.org/markup-compatibility/2006">
-        <mc:Choice xmlns:a14="http://schemas.microsoft.com/office/drawing/2010/main" Requires="a14">
+      <mc:AlternateContent xmlns:mc="http://schemas.openxmlformats.org/markup-compatibility/2006" xmlns:a14="http://schemas.microsoft.com/office/drawing/2010/main">
+        <mc:Choice Requires="a14">
           <p:sp>
             <p:nvSpPr>
               <p:cNvPr id="6" name="Rectángulo 5">
@@ -19950,7 +19909,7 @@
             </p:txBody>
           </p:sp>
         </mc:Choice>
-        <mc:Fallback>
+        <mc:Fallback xmlns="">
           <p:sp>
             <p:nvSpPr>
               <p:cNvPr id="6" name="Rectángulo 5">
@@ -20186,8 +20145,8 @@
           </a:p>
         </p:txBody>
       </p:sp>
-      <mc:AlternateContent xmlns:mc="http://schemas.openxmlformats.org/markup-compatibility/2006">
-        <mc:Choice xmlns:a14="http://schemas.microsoft.com/office/drawing/2010/main" Requires="a14">
+      <mc:AlternateContent xmlns:mc="http://schemas.openxmlformats.org/markup-compatibility/2006" xmlns:a14="http://schemas.microsoft.com/office/drawing/2010/main">
+        <mc:Choice Requires="a14">
           <p:sp>
             <p:nvSpPr>
               <p:cNvPr id="4" name="Rectángulo 3">
@@ -20736,7 +20695,7 @@
             </p:txBody>
           </p:sp>
         </mc:Choice>
-        <mc:Fallback>
+        <mc:Fallback xmlns="">
           <p:sp>
             <p:nvSpPr>
               <p:cNvPr id="4" name="Rectángulo 3">
@@ -20820,8 +20779,8 @@
           </a:p>
         </p:txBody>
       </p:sp>
-      <mc:AlternateContent xmlns:mc="http://schemas.openxmlformats.org/markup-compatibility/2006">
-        <mc:Choice xmlns:a14="http://schemas.microsoft.com/office/drawing/2010/main" Requires="a14">
+      <mc:AlternateContent xmlns:mc="http://schemas.openxmlformats.org/markup-compatibility/2006" xmlns:a14="http://schemas.microsoft.com/office/drawing/2010/main">
+        <mc:Choice Requires="a14">
           <p:sp>
             <p:nvSpPr>
               <p:cNvPr id="6" name="Rectángulo 5">
@@ -21256,7 +21215,7 @@
             </p:txBody>
           </p:sp>
         </mc:Choice>
-        <mc:Fallback>
+        <mc:Fallback xmlns="">
           <p:sp>
             <p:nvSpPr>
               <p:cNvPr id="6" name="Rectángulo 5">
@@ -21413,8 +21372,8 @@
           </a:p>
         </p:txBody>
       </p:sp>
-      <mc:AlternateContent xmlns:mc="http://schemas.openxmlformats.org/markup-compatibility/2006">
-        <mc:Choice xmlns:a14="http://schemas.microsoft.com/office/drawing/2010/main" Requires="a14">
+      <mc:AlternateContent xmlns:mc="http://schemas.openxmlformats.org/markup-compatibility/2006" xmlns:a14="http://schemas.microsoft.com/office/drawing/2010/main">
+        <mc:Choice Requires="a14">
           <p:sp>
             <p:nvSpPr>
               <p:cNvPr id="9" name="Rectángulo 8">
@@ -21635,7 +21594,7 @@
             </p:txBody>
           </p:sp>
         </mc:Choice>
-        <mc:Fallback>
+        <mc:Fallback xmlns="">
           <p:sp>
             <p:nvSpPr>
               <p:cNvPr id="9" name="Rectángulo 8">
